--- a/# lecture_slides/ch04/ch04_Control_Flow.pptx
+++ b/# lecture_slides/ch04/ch04_Control_Flow.pptx
@@ -54,7 +54,7 @@
   <p:notesSz cx="6805613" cy="9939338"/>
   <p:embeddedFontLst>
     <p:embeddedFont>
-      <p:font typeface="맑은 고딕" panose="020B0503020000020004" pitchFamily="50" charset="-127"/>
+      <p:font typeface="맑은 고딕" pitchFamily="50" charset="-127"/>
       <p:regular r:id="rId42"/>
       <p:bold r:id="rId43"/>
     </p:embeddedFont>
@@ -156,7 +156,7 @@
   </p:defaultTextStyle>
   <p:extLst>
     <p:ext uri="{EFAFB233-063F-42B5-8137-9DF3F51BA10A}">
-      <p15:sldGuideLst xmlns:p15="http://schemas.microsoft.com/office/powerpoint/2012/main">
+      <p15:sldGuideLst xmlns:p15="http://schemas.microsoft.com/office/powerpoint/2012/main" xmlns="">
         <p15:guide id="1" orient="horz" pos="2166">
           <p15:clr>
             <a:srgbClr val="A4A3A4"/>
@@ -240,7 +240,7 @@
       </p15:sldGuideLst>
     </p:ext>
     <p:ext uri="{2D200454-40CA-4A62-9FC3-DE9A4176ACB9}">
-      <p15:notesGuideLst xmlns:p15="http://schemas.microsoft.com/office/powerpoint/2012/main">
+      <p15:notesGuideLst xmlns:p15="http://schemas.microsoft.com/office/powerpoint/2012/main" xmlns="">
         <p15:guide id="1" orient="horz" pos="3131">
           <p15:clr>
             <a:srgbClr val="A4A3A4"/>
@@ -340,7 +340,7 @@
             <a:fld id="{207F23D9-DF40-4811-9C78-A2E2A32398DD}" type="datetimeFigureOut">
               <a:rPr lang="ko-KR" altLang="en-US" smtClean="0"/>
               <a:pPr/>
-              <a:t>2016-12-29</a:t>
+              <a:t>2018-06-12</a:t>
             </a:fld>
             <a:endParaRPr lang="ko-KR" altLang="en-US"/>
           </a:p>
@@ -416,7 +416,7 @@
     </p:spTree>
     <p:extLst>
       <p:ext uri="{BB962C8B-B14F-4D97-AF65-F5344CB8AC3E}">
-        <p14:creationId xmlns:p14="http://schemas.microsoft.com/office/powerpoint/2010/main" val="2891599686"/>
+        <p14:creationId xmlns:p14="http://schemas.microsoft.com/office/powerpoint/2010/main" xmlns="" val="2891599686"/>
       </p:ext>
     </p:extLst>
   </p:cSld>
@@ -507,7 +507,7 @@
             <a:fld id="{F3AF6795-A612-454E-AF7A-9192B1BEBB13}" type="datetimeFigureOut">
               <a:rPr lang="ko-KR" altLang="en-US" smtClean="0"/>
               <a:pPr/>
-              <a:t>2016-12-29</a:t>
+              <a:t>2018-06-12</a:t>
             </a:fld>
             <a:endParaRPr lang="ko-KR" altLang="en-US"/>
           </a:p>
@@ -678,7 +678,7 @@
     </p:spTree>
     <p:extLst>
       <p:ext uri="{BB962C8B-B14F-4D97-AF65-F5344CB8AC3E}">
-        <p14:creationId xmlns:p14="http://schemas.microsoft.com/office/powerpoint/2010/main" val="1587304990"/>
+        <p14:creationId xmlns:p14="http://schemas.microsoft.com/office/powerpoint/2010/main" xmlns="" val="1587304990"/>
       </p:ext>
     </p:extLst>
   </p:cSld>
@@ -855,7 +855,7 @@
     </p:spTree>
     <p:extLst>
       <p:ext uri="{BB962C8B-B14F-4D97-AF65-F5344CB8AC3E}">
-        <p14:creationId xmlns:p14="http://schemas.microsoft.com/office/powerpoint/2010/main" val="23495583"/>
+        <p14:creationId xmlns:p14="http://schemas.microsoft.com/office/powerpoint/2010/main" xmlns="" val="23495583"/>
       </p:ext>
     </p:extLst>
   </p:cSld>
@@ -940,7 +940,7 @@
     </p:spTree>
     <p:extLst>
       <p:ext uri="{BB962C8B-B14F-4D97-AF65-F5344CB8AC3E}">
-        <p14:creationId xmlns:p14="http://schemas.microsoft.com/office/powerpoint/2010/main" val="253778810"/>
+        <p14:creationId xmlns:p14="http://schemas.microsoft.com/office/powerpoint/2010/main" xmlns="" val="253778810"/>
       </p:ext>
     </p:extLst>
   </p:cSld>
@@ -1027,7 +1027,7 @@
     </p:spTree>
     <p:extLst>
       <p:ext uri="{BB962C8B-B14F-4D97-AF65-F5344CB8AC3E}">
-        <p14:creationId xmlns:p14="http://schemas.microsoft.com/office/powerpoint/2010/main" val="2282980172"/>
+        <p14:creationId xmlns:p14="http://schemas.microsoft.com/office/powerpoint/2010/main" xmlns="" val="2282980172"/>
       </p:ext>
     </p:extLst>
   </p:cSld>
@@ -1112,7 +1112,7 @@
     </p:spTree>
     <p:extLst>
       <p:ext uri="{BB962C8B-B14F-4D97-AF65-F5344CB8AC3E}">
-        <p14:creationId xmlns:p14="http://schemas.microsoft.com/office/powerpoint/2010/main" val="3983046542"/>
+        <p14:creationId xmlns:p14="http://schemas.microsoft.com/office/powerpoint/2010/main" xmlns="" val="3983046542"/>
       </p:ext>
     </p:extLst>
   </p:cSld>
@@ -1197,7 +1197,7 @@
     </p:spTree>
     <p:extLst>
       <p:ext uri="{BB962C8B-B14F-4D97-AF65-F5344CB8AC3E}">
-        <p14:creationId xmlns:p14="http://schemas.microsoft.com/office/powerpoint/2010/main" val="45307679"/>
+        <p14:creationId xmlns:p14="http://schemas.microsoft.com/office/powerpoint/2010/main" xmlns="" val="45307679"/>
       </p:ext>
     </p:extLst>
   </p:cSld>
@@ -1282,7 +1282,7 @@
     </p:spTree>
     <p:extLst>
       <p:ext uri="{BB962C8B-B14F-4D97-AF65-F5344CB8AC3E}">
-        <p14:creationId xmlns:p14="http://schemas.microsoft.com/office/powerpoint/2010/main" val="786396264"/>
+        <p14:creationId xmlns:p14="http://schemas.microsoft.com/office/powerpoint/2010/main" xmlns="" val="786396264"/>
       </p:ext>
     </p:extLst>
   </p:cSld>
@@ -1367,7 +1367,7 @@
     </p:spTree>
     <p:extLst>
       <p:ext uri="{BB962C8B-B14F-4D97-AF65-F5344CB8AC3E}">
-        <p14:creationId xmlns:p14="http://schemas.microsoft.com/office/powerpoint/2010/main" val="3615204778"/>
+        <p14:creationId xmlns:p14="http://schemas.microsoft.com/office/powerpoint/2010/main" xmlns="" val="3615204778"/>
       </p:ext>
     </p:extLst>
   </p:cSld>
@@ -1452,7 +1452,7 @@
     </p:spTree>
     <p:extLst>
       <p:ext uri="{BB962C8B-B14F-4D97-AF65-F5344CB8AC3E}">
-        <p14:creationId xmlns:p14="http://schemas.microsoft.com/office/powerpoint/2010/main" val="44036722"/>
+        <p14:creationId xmlns:p14="http://schemas.microsoft.com/office/powerpoint/2010/main" xmlns="" val="44036722"/>
       </p:ext>
     </p:extLst>
   </p:cSld>
@@ -1537,7 +1537,7 @@
     </p:spTree>
     <p:extLst>
       <p:ext uri="{BB962C8B-B14F-4D97-AF65-F5344CB8AC3E}">
-        <p14:creationId xmlns:p14="http://schemas.microsoft.com/office/powerpoint/2010/main" val="3239116717"/>
+        <p14:creationId xmlns:p14="http://schemas.microsoft.com/office/powerpoint/2010/main" xmlns="" val="3239116717"/>
       </p:ext>
     </p:extLst>
   </p:cSld>
@@ -1622,7 +1622,7 @@
     </p:spTree>
     <p:extLst>
       <p:ext uri="{BB962C8B-B14F-4D97-AF65-F5344CB8AC3E}">
-        <p14:creationId xmlns:p14="http://schemas.microsoft.com/office/powerpoint/2010/main" val="3242054801"/>
+        <p14:creationId xmlns:p14="http://schemas.microsoft.com/office/powerpoint/2010/main" xmlns="" val="3242054801"/>
       </p:ext>
     </p:extLst>
   </p:cSld>
@@ -1707,7 +1707,7 @@
     </p:spTree>
     <p:extLst>
       <p:ext uri="{BB962C8B-B14F-4D97-AF65-F5344CB8AC3E}">
-        <p14:creationId xmlns:p14="http://schemas.microsoft.com/office/powerpoint/2010/main" val="454126140"/>
+        <p14:creationId xmlns:p14="http://schemas.microsoft.com/office/powerpoint/2010/main" xmlns="" val="454126140"/>
       </p:ext>
     </p:extLst>
   </p:cSld>
@@ -1794,7 +1794,7 @@
     </p:spTree>
     <p:extLst>
       <p:ext uri="{BB962C8B-B14F-4D97-AF65-F5344CB8AC3E}">
-        <p14:creationId xmlns:p14="http://schemas.microsoft.com/office/powerpoint/2010/main" val="137143229"/>
+        <p14:creationId xmlns:p14="http://schemas.microsoft.com/office/powerpoint/2010/main" xmlns="" val="137143229"/>
       </p:ext>
     </p:extLst>
   </p:cSld>
@@ -1879,7 +1879,7 @@
     </p:spTree>
     <p:extLst>
       <p:ext uri="{BB962C8B-B14F-4D97-AF65-F5344CB8AC3E}">
-        <p14:creationId xmlns:p14="http://schemas.microsoft.com/office/powerpoint/2010/main" val="1201028270"/>
+        <p14:creationId xmlns:p14="http://schemas.microsoft.com/office/powerpoint/2010/main" xmlns="" val="1201028270"/>
       </p:ext>
     </p:extLst>
   </p:cSld>
@@ -1964,7 +1964,7 @@
     </p:spTree>
     <p:extLst>
       <p:ext uri="{BB962C8B-B14F-4D97-AF65-F5344CB8AC3E}">
-        <p14:creationId xmlns:p14="http://schemas.microsoft.com/office/powerpoint/2010/main" val="3125235264"/>
+        <p14:creationId xmlns:p14="http://schemas.microsoft.com/office/powerpoint/2010/main" xmlns="" val="3125235264"/>
       </p:ext>
     </p:extLst>
   </p:cSld>
@@ -2049,7 +2049,7 @@
     </p:spTree>
     <p:extLst>
       <p:ext uri="{BB962C8B-B14F-4D97-AF65-F5344CB8AC3E}">
-        <p14:creationId xmlns:p14="http://schemas.microsoft.com/office/powerpoint/2010/main" val="3553262263"/>
+        <p14:creationId xmlns:p14="http://schemas.microsoft.com/office/powerpoint/2010/main" xmlns="" val="3553262263"/>
       </p:ext>
     </p:extLst>
   </p:cSld>
@@ -2134,7 +2134,7 @@
     </p:spTree>
     <p:extLst>
       <p:ext uri="{BB962C8B-B14F-4D97-AF65-F5344CB8AC3E}">
-        <p14:creationId xmlns:p14="http://schemas.microsoft.com/office/powerpoint/2010/main" val="2505758916"/>
+        <p14:creationId xmlns:p14="http://schemas.microsoft.com/office/powerpoint/2010/main" xmlns="" val="2505758916"/>
       </p:ext>
     </p:extLst>
   </p:cSld>
@@ -2221,7 +2221,7 @@
     </p:spTree>
     <p:extLst>
       <p:ext uri="{BB962C8B-B14F-4D97-AF65-F5344CB8AC3E}">
-        <p14:creationId xmlns:p14="http://schemas.microsoft.com/office/powerpoint/2010/main" val="2300346714"/>
+        <p14:creationId xmlns:p14="http://schemas.microsoft.com/office/powerpoint/2010/main" xmlns="" val="2300346714"/>
       </p:ext>
     </p:extLst>
   </p:cSld>
@@ -2306,7 +2306,7 @@
     </p:spTree>
     <p:extLst>
       <p:ext uri="{BB962C8B-B14F-4D97-AF65-F5344CB8AC3E}">
-        <p14:creationId xmlns:p14="http://schemas.microsoft.com/office/powerpoint/2010/main" val="59409744"/>
+        <p14:creationId xmlns:p14="http://schemas.microsoft.com/office/powerpoint/2010/main" xmlns="" val="59409744"/>
       </p:ext>
     </p:extLst>
   </p:cSld>
@@ -2391,7 +2391,7 @@
     </p:spTree>
     <p:extLst>
       <p:ext uri="{BB962C8B-B14F-4D97-AF65-F5344CB8AC3E}">
-        <p14:creationId xmlns:p14="http://schemas.microsoft.com/office/powerpoint/2010/main" val="1551241049"/>
+        <p14:creationId xmlns:p14="http://schemas.microsoft.com/office/powerpoint/2010/main" xmlns="" val="1551241049"/>
       </p:ext>
     </p:extLst>
   </p:cSld>
@@ -2476,7 +2476,7 @@
     </p:spTree>
     <p:extLst>
       <p:ext uri="{BB962C8B-B14F-4D97-AF65-F5344CB8AC3E}">
-        <p14:creationId xmlns:p14="http://schemas.microsoft.com/office/powerpoint/2010/main" val="990407713"/>
+        <p14:creationId xmlns:p14="http://schemas.microsoft.com/office/powerpoint/2010/main" xmlns="" val="990407713"/>
       </p:ext>
     </p:extLst>
   </p:cSld>
@@ -2561,7 +2561,7 @@
     </p:spTree>
     <p:extLst>
       <p:ext uri="{BB962C8B-B14F-4D97-AF65-F5344CB8AC3E}">
-        <p14:creationId xmlns:p14="http://schemas.microsoft.com/office/powerpoint/2010/main" val="112581560"/>
+        <p14:creationId xmlns:p14="http://schemas.microsoft.com/office/powerpoint/2010/main" xmlns="" val="112581560"/>
       </p:ext>
     </p:extLst>
   </p:cSld>
@@ -2646,7 +2646,7 @@
     </p:spTree>
     <p:extLst>
       <p:ext uri="{BB962C8B-B14F-4D97-AF65-F5344CB8AC3E}">
-        <p14:creationId xmlns:p14="http://schemas.microsoft.com/office/powerpoint/2010/main" val="3127550696"/>
+        <p14:creationId xmlns:p14="http://schemas.microsoft.com/office/powerpoint/2010/main" xmlns="" val="3127550696"/>
       </p:ext>
     </p:extLst>
   </p:cSld>
@@ -2731,7 +2731,7 @@
     </p:spTree>
     <p:extLst>
       <p:ext uri="{BB962C8B-B14F-4D97-AF65-F5344CB8AC3E}">
-        <p14:creationId xmlns:p14="http://schemas.microsoft.com/office/powerpoint/2010/main" val="3867931997"/>
+        <p14:creationId xmlns:p14="http://schemas.microsoft.com/office/powerpoint/2010/main" xmlns="" val="3867931997"/>
       </p:ext>
     </p:extLst>
   </p:cSld>
@@ -2816,7 +2816,7 @@
     </p:spTree>
     <p:extLst>
       <p:ext uri="{BB962C8B-B14F-4D97-AF65-F5344CB8AC3E}">
-        <p14:creationId xmlns:p14="http://schemas.microsoft.com/office/powerpoint/2010/main" val="1316576709"/>
+        <p14:creationId xmlns:p14="http://schemas.microsoft.com/office/powerpoint/2010/main" xmlns="" val="1316576709"/>
       </p:ext>
     </p:extLst>
   </p:cSld>
@@ -2901,7 +2901,7 @@
     </p:spTree>
     <p:extLst>
       <p:ext uri="{BB962C8B-B14F-4D97-AF65-F5344CB8AC3E}">
-        <p14:creationId xmlns:p14="http://schemas.microsoft.com/office/powerpoint/2010/main" val="1387457679"/>
+        <p14:creationId xmlns:p14="http://schemas.microsoft.com/office/powerpoint/2010/main" xmlns="" val="1387457679"/>
       </p:ext>
     </p:extLst>
   </p:cSld>
@@ -2986,7 +2986,7 @@
     </p:spTree>
     <p:extLst>
       <p:ext uri="{BB962C8B-B14F-4D97-AF65-F5344CB8AC3E}">
-        <p14:creationId xmlns:p14="http://schemas.microsoft.com/office/powerpoint/2010/main" val="833681506"/>
+        <p14:creationId xmlns:p14="http://schemas.microsoft.com/office/powerpoint/2010/main" xmlns="" val="833681506"/>
       </p:ext>
     </p:extLst>
   </p:cSld>
@@ -3071,7 +3071,7 @@
     </p:spTree>
     <p:extLst>
       <p:ext uri="{BB962C8B-B14F-4D97-AF65-F5344CB8AC3E}">
-        <p14:creationId xmlns:p14="http://schemas.microsoft.com/office/powerpoint/2010/main" val="3360358022"/>
+        <p14:creationId xmlns:p14="http://schemas.microsoft.com/office/powerpoint/2010/main" xmlns="" val="3360358022"/>
       </p:ext>
     </p:extLst>
   </p:cSld>
@@ -3156,7 +3156,7 @@
     </p:spTree>
     <p:extLst>
       <p:ext uri="{BB962C8B-B14F-4D97-AF65-F5344CB8AC3E}">
-        <p14:creationId xmlns:p14="http://schemas.microsoft.com/office/powerpoint/2010/main" val="478232860"/>
+        <p14:creationId xmlns:p14="http://schemas.microsoft.com/office/powerpoint/2010/main" xmlns="" val="478232860"/>
       </p:ext>
     </p:extLst>
   </p:cSld>
@@ -3243,7 +3243,7 @@
     </p:spTree>
     <p:extLst>
       <p:ext uri="{BB962C8B-B14F-4D97-AF65-F5344CB8AC3E}">
-        <p14:creationId xmlns:p14="http://schemas.microsoft.com/office/powerpoint/2010/main" val="89359344"/>
+        <p14:creationId xmlns:p14="http://schemas.microsoft.com/office/powerpoint/2010/main" xmlns="" val="89359344"/>
       </p:ext>
     </p:extLst>
   </p:cSld>
@@ -3328,7 +3328,7 @@
     </p:spTree>
     <p:extLst>
       <p:ext uri="{BB962C8B-B14F-4D97-AF65-F5344CB8AC3E}">
-        <p14:creationId xmlns:p14="http://schemas.microsoft.com/office/powerpoint/2010/main" val="2205407151"/>
+        <p14:creationId xmlns:p14="http://schemas.microsoft.com/office/powerpoint/2010/main" xmlns="" val="2205407151"/>
       </p:ext>
     </p:extLst>
   </p:cSld>
@@ -3413,7 +3413,7 @@
     </p:spTree>
     <p:extLst>
       <p:ext uri="{BB962C8B-B14F-4D97-AF65-F5344CB8AC3E}">
-        <p14:creationId xmlns:p14="http://schemas.microsoft.com/office/powerpoint/2010/main" val="2530121003"/>
+        <p14:creationId xmlns:p14="http://schemas.microsoft.com/office/powerpoint/2010/main" xmlns="" val="2530121003"/>
       </p:ext>
     </p:extLst>
   </p:cSld>
@@ -3500,7 +3500,7 @@
     </p:spTree>
     <p:extLst>
       <p:ext uri="{BB962C8B-B14F-4D97-AF65-F5344CB8AC3E}">
-        <p14:creationId xmlns:p14="http://schemas.microsoft.com/office/powerpoint/2010/main" val="289883203"/>
+        <p14:creationId xmlns:p14="http://schemas.microsoft.com/office/powerpoint/2010/main" xmlns="" val="289883203"/>
       </p:ext>
     </p:extLst>
   </p:cSld>
@@ -3585,7 +3585,7 @@
     </p:spTree>
     <p:extLst>
       <p:ext uri="{BB962C8B-B14F-4D97-AF65-F5344CB8AC3E}">
-        <p14:creationId xmlns:p14="http://schemas.microsoft.com/office/powerpoint/2010/main" val="1034971549"/>
+        <p14:creationId xmlns:p14="http://schemas.microsoft.com/office/powerpoint/2010/main" xmlns="" val="1034971549"/>
       </p:ext>
     </p:extLst>
   </p:cSld>
@@ -3670,7 +3670,7 @@
     </p:spTree>
     <p:extLst>
       <p:ext uri="{BB962C8B-B14F-4D97-AF65-F5344CB8AC3E}">
-        <p14:creationId xmlns:p14="http://schemas.microsoft.com/office/powerpoint/2010/main" val="767899305"/>
+        <p14:creationId xmlns:p14="http://schemas.microsoft.com/office/powerpoint/2010/main" xmlns="" val="767899305"/>
       </p:ext>
     </p:extLst>
   </p:cSld>
@@ -3755,7 +3755,7 @@
     </p:spTree>
     <p:extLst>
       <p:ext uri="{BB962C8B-B14F-4D97-AF65-F5344CB8AC3E}">
-        <p14:creationId xmlns:p14="http://schemas.microsoft.com/office/powerpoint/2010/main" val="3907804001"/>
+        <p14:creationId xmlns:p14="http://schemas.microsoft.com/office/powerpoint/2010/main" xmlns="" val="3907804001"/>
       </p:ext>
     </p:extLst>
   </p:cSld>
@@ -3840,7 +3840,7 @@
     </p:spTree>
     <p:extLst>
       <p:ext uri="{BB962C8B-B14F-4D97-AF65-F5344CB8AC3E}">
-        <p14:creationId xmlns:p14="http://schemas.microsoft.com/office/powerpoint/2010/main" val="3654185887"/>
+        <p14:creationId xmlns:p14="http://schemas.microsoft.com/office/powerpoint/2010/main" xmlns="" val="3654185887"/>
       </p:ext>
     </p:extLst>
   </p:cSld>
@@ -3925,7 +3925,7 @@
     </p:spTree>
     <p:extLst>
       <p:ext uri="{BB962C8B-B14F-4D97-AF65-F5344CB8AC3E}">
-        <p14:creationId xmlns:p14="http://schemas.microsoft.com/office/powerpoint/2010/main" val="2582184813"/>
+        <p14:creationId xmlns:p14="http://schemas.microsoft.com/office/powerpoint/2010/main" xmlns="" val="2582184813"/>
       </p:ext>
     </p:extLst>
   </p:cSld>
@@ -4010,7 +4010,7 @@
     </p:spTree>
     <p:extLst>
       <p:ext uri="{BB962C8B-B14F-4D97-AF65-F5344CB8AC3E}">
-        <p14:creationId xmlns:p14="http://schemas.microsoft.com/office/powerpoint/2010/main" val="2018326126"/>
+        <p14:creationId xmlns:p14="http://schemas.microsoft.com/office/powerpoint/2010/main" xmlns="" val="2018326126"/>
       </p:ext>
     </p:extLst>
   </p:cSld>
@@ -4520,7 +4520,7 @@
             <a:fld id="{8761FD00-3F21-42CF-9EF5-8F6D81CE3AFD}" type="datetimeFigureOut">
               <a:rPr lang="ko-KR" altLang="en-US" smtClean="0"/>
               <a:pPr/>
-              <a:t>2016-12-29</a:t>
+              <a:t>2018-06-12</a:t>
             </a:fld>
             <a:endParaRPr lang="ko-KR" altLang="en-US"/>
           </a:p>
@@ -5266,7 +5266,7 @@
             <a:fld id="{8761FD00-3F21-42CF-9EF5-8F6D81CE3AFD}" type="datetimeFigureOut">
               <a:rPr lang="ko-KR" altLang="en-US" smtClean="0"/>
               <a:pPr/>
-              <a:t>2016-12-29</a:t>
+              <a:t>2018-06-12</a:t>
             </a:fld>
             <a:endParaRPr lang="ko-KR" altLang="en-US"/>
           </a:p>
@@ -5579,7 +5579,7 @@
             <a:fld id="{8761FD00-3F21-42CF-9EF5-8F6D81CE3AFD}" type="datetimeFigureOut">
               <a:rPr lang="ko-KR" altLang="en-US" smtClean="0"/>
               <a:pPr/>
-              <a:t>2016-12-29</a:t>
+              <a:t>2018-06-12</a:t>
             </a:fld>
             <a:endParaRPr lang="ko-KR" altLang="en-US"/>
           </a:p>
@@ -5834,7 +5834,7 @@
             <a:fld id="{8761FD00-3F21-42CF-9EF5-8F6D81CE3AFD}" type="datetimeFigureOut">
               <a:rPr lang="ko-KR" altLang="en-US" smtClean="0"/>
               <a:pPr/>
-              <a:t>2016-12-29</a:t>
+              <a:t>2018-06-12</a:t>
             </a:fld>
             <a:endParaRPr lang="ko-KR" altLang="en-US" dirty="0"/>
           </a:p>
@@ -6060,7 +6060,7 @@
             <a:fld id="{8761FD00-3F21-42CF-9EF5-8F6D81CE3AFD}" type="datetimeFigureOut">
               <a:rPr lang="ko-KR" altLang="en-US" smtClean="0"/>
               <a:pPr/>
-              <a:t>2016-12-29</a:t>
+              <a:t>2018-06-12</a:t>
             </a:fld>
             <a:endParaRPr lang="ko-KR" altLang="en-US" dirty="0"/>
           </a:p>
@@ -6286,7 +6286,7 @@
             <a:fld id="{8761FD00-3F21-42CF-9EF5-8F6D81CE3AFD}" type="datetimeFigureOut">
               <a:rPr lang="ko-KR" altLang="en-US" smtClean="0"/>
               <a:pPr/>
-              <a:t>2016-12-29</a:t>
+              <a:t>2018-06-12</a:t>
             </a:fld>
             <a:endParaRPr lang="ko-KR" altLang="en-US" dirty="0"/>
           </a:p>
@@ -7564,7 +7564,7 @@
     </p:spTree>
     <p:extLst>
       <p:ext uri="{BB962C8B-B14F-4D97-AF65-F5344CB8AC3E}">
-        <p14:creationId xmlns:p14="http://schemas.microsoft.com/office/powerpoint/2010/main" val="3596303521"/>
+        <p14:creationId xmlns:p14="http://schemas.microsoft.com/office/powerpoint/2010/main" xmlns="" val="3596303521"/>
       </p:ext>
     </p:extLst>
   </p:cSld>
@@ -7680,7 +7680,7 @@
     </p:spTree>
     <p:extLst>
       <p:ext uri="{BB962C8B-B14F-4D97-AF65-F5344CB8AC3E}">
-        <p14:creationId xmlns:p14="http://schemas.microsoft.com/office/powerpoint/2010/main" val="176423008"/>
+        <p14:creationId xmlns:p14="http://schemas.microsoft.com/office/powerpoint/2010/main" xmlns="" val="176423008"/>
       </p:ext>
     </p:extLst>
   </p:cSld>
@@ -8711,7 +8711,7 @@
               <a:t>String </a:t>
             </a:r>
             <a:r>
-              <a:rPr lang="ko-KR" altLang="en-US" sz="1600" spc="-150" dirty="0" err="1">
+              <a:rPr lang="ko-KR" altLang="en-US" sz="1600" spc="-150" dirty="0" smtClean="0">
                 <a:ln w="0"/>
                 <a:effectLst>
                   <a:outerShdw blurRad="38100" dist="19050" dir="2700000" algn="tl" rotWithShape="0">
@@ -8721,7 +8721,7 @@
                   </a:outerShdw>
                 </a:effectLst>
               </a:rPr>
-              <a:t>연산시</a:t>
+              <a:t>연산 시 </a:t>
             </a:r>
             <a:r>
               <a:rPr lang="ko-KR" altLang="en-US" sz="1600" spc="-150" dirty="0">
@@ -8734,7 +8734,7 @@
                   </a:outerShdw>
                 </a:effectLst>
               </a:rPr>
-              <a:t> 메모리 낭비가 </a:t>
+              <a:t>메모리 낭비가 </a:t>
             </a:r>
             <a:r>
               <a:rPr lang="ko-KR" altLang="en-US" sz="1600" spc="-150" dirty="0" smtClean="0">
@@ -8867,7 +8867,7 @@
               <a:t>String </a:t>
             </a:r>
             <a:r>
-              <a:rPr lang="ko-KR" altLang="en-US" sz="1600" spc="-150" dirty="0" err="1">
+              <a:rPr lang="ko-KR" altLang="en-US" sz="1600" spc="-150" dirty="0" smtClean="0">
                 <a:ln w="0"/>
                 <a:effectLst>
                   <a:outerShdw blurRad="38100" dist="19050" dir="2700000" algn="tl" rotWithShape="0">
@@ -8877,7 +8877,20 @@
                   </a:outerShdw>
                 </a:effectLst>
               </a:rPr>
-              <a:t>연산시</a:t>
+              <a:t>연산 시 </a:t>
+            </a:r>
+            <a:r>
+              <a:rPr lang="en-US" altLang="ko-KR" sz="1600" spc="-150" dirty="0">
+                <a:ln w="0"/>
+                <a:effectLst>
+                  <a:outerShdw blurRad="38100" dist="19050" dir="2700000" algn="tl" rotWithShape="0">
+                    <a:schemeClr val="dk1">
+                      <a:alpha val="40000"/>
+                    </a:schemeClr>
+                  </a:outerShdw>
+                </a:effectLst>
+              </a:rPr>
+              <a:t>+</a:t>
             </a:r>
             <a:r>
               <a:rPr lang="ko-KR" altLang="en-US" sz="1600" spc="-150" dirty="0">
@@ -8890,7 +8903,7 @@
                   </a:outerShdw>
                 </a:effectLst>
               </a:rPr>
-              <a:t> </a:t>
+              <a:t>연산자와 </a:t>
             </a:r>
             <a:r>
               <a:rPr lang="en-US" altLang="ko-KR" sz="1600" spc="-150" dirty="0">
@@ -8903,7 +8916,7 @@
                   </a:outerShdw>
                 </a:effectLst>
               </a:rPr>
-              <a:t>+</a:t>
+              <a:t>+= </a:t>
             </a:r>
             <a:r>
               <a:rPr lang="ko-KR" altLang="en-US" sz="1600" spc="-150" dirty="0">
@@ -8916,7 +8929,7 @@
                   </a:outerShdw>
                 </a:effectLst>
               </a:rPr>
-              <a:t>연산자와 </a:t>
+              <a:t>연산자는 피한다</a:t>
             </a:r>
             <a:r>
               <a:rPr lang="en-US" altLang="ko-KR" sz="1600" spc="-150" dirty="0">
@@ -8929,7 +8942,22 @@
                   </a:outerShdw>
                 </a:effectLst>
               </a:rPr>
-              <a:t>+= </a:t>
+              <a:t>. </a:t>
+            </a:r>
+          </a:p>
+          <a:p>
+            <a:r>
+              <a:rPr lang="en-US" altLang="ko-KR" sz="1600" spc="-150" dirty="0">
+                <a:ln w="0"/>
+                <a:effectLst>
+                  <a:outerShdw blurRad="38100" dist="19050" dir="2700000" algn="tl" rotWithShape="0">
+                    <a:schemeClr val="dk1">
+                      <a:alpha val="40000"/>
+                    </a:schemeClr>
+                  </a:outerShdw>
+                </a:effectLst>
+              </a:rPr>
+              <a:t>   </a:t>
             </a:r>
             <a:r>
               <a:rPr lang="ko-KR" altLang="en-US" sz="1600" spc="-150" dirty="0">
@@ -8942,7 +8970,7 @@
                   </a:outerShdw>
                 </a:effectLst>
               </a:rPr>
-              <a:t>연산자는 피한다</a:t>
+              <a:t>두 줄 이상의 </a:t>
             </a:r>
             <a:r>
               <a:rPr lang="en-US" altLang="ko-KR" sz="1600" spc="-150" dirty="0">
@@ -8955,22 +8983,7 @@
                   </a:outerShdw>
                 </a:effectLst>
               </a:rPr>
-              <a:t>. </a:t>
-            </a:r>
-          </a:p>
-          <a:p>
-            <a:r>
-              <a:rPr lang="en-US" altLang="ko-KR" sz="1600" spc="-150" dirty="0">
-                <a:ln w="0"/>
-                <a:effectLst>
-                  <a:outerShdw blurRad="38100" dist="19050" dir="2700000" algn="tl" rotWithShape="0">
-                    <a:schemeClr val="dk1">
-                      <a:alpha val="40000"/>
-                    </a:schemeClr>
-                  </a:outerShdw>
-                </a:effectLst>
-              </a:rPr>
-              <a:t>   </a:t>
+              <a:t>String</a:t>
             </a:r>
             <a:r>
               <a:rPr lang="ko-KR" altLang="en-US" sz="1600" spc="-150" dirty="0">
@@ -8983,10 +8996,10 @@
                   </a:outerShdw>
                 </a:effectLst>
               </a:rPr>
-              <a:t>두 줄 이상의 </a:t>
-            </a:r>
-            <a:r>
-              <a:rPr lang="en-US" altLang="ko-KR" sz="1600" spc="-150" dirty="0">
+              <a:t>을 </a:t>
+            </a:r>
+            <a:r>
+              <a:rPr lang="ko-KR" altLang="en-US" sz="1600" spc="-150" dirty="0" smtClean="0">
                 <a:ln w="0"/>
                 <a:effectLst>
                   <a:outerShdw blurRad="38100" dist="19050" dir="2700000" algn="tl" rotWithShape="0">
@@ -8996,46 +9009,7 @@
                   </a:outerShdw>
                 </a:effectLst>
               </a:rPr>
-              <a:t>String</a:t>
-            </a:r>
-            <a:r>
-              <a:rPr lang="ko-KR" altLang="en-US" sz="1600" spc="-150" dirty="0">
-                <a:ln w="0"/>
-                <a:effectLst>
-                  <a:outerShdw blurRad="38100" dist="19050" dir="2700000" algn="tl" rotWithShape="0">
-                    <a:schemeClr val="dk1">
-                      <a:alpha val="40000"/>
-                    </a:schemeClr>
-                  </a:outerShdw>
-                </a:effectLst>
-              </a:rPr>
-              <a:t>을 </a:t>
-            </a:r>
-            <a:r>
-              <a:rPr lang="ko-KR" altLang="en-US" sz="1600" spc="-150" dirty="0" err="1">
-                <a:ln w="0"/>
-                <a:effectLst>
-                  <a:outerShdw blurRad="38100" dist="19050" dir="2700000" algn="tl" rotWithShape="0">
-                    <a:schemeClr val="dk1">
-                      <a:alpha val="40000"/>
-                    </a:schemeClr>
-                  </a:outerShdw>
-                </a:effectLst>
-              </a:rPr>
-              <a:t>사용하는데에</a:t>
-            </a:r>
-            <a:r>
-              <a:rPr lang="ko-KR" altLang="en-US" sz="1600" spc="-150" dirty="0">
-                <a:ln w="0"/>
-                <a:effectLst>
-                  <a:outerShdw blurRad="38100" dist="19050" dir="2700000" algn="tl" rotWithShape="0">
-                    <a:schemeClr val="dk1">
-                      <a:alpha val="40000"/>
-                    </a:schemeClr>
-                  </a:outerShdw>
-                </a:effectLst>
-              </a:rPr>
-              <a:t> </a:t>
+              <a:t>사용하는 데에 </a:t>
             </a:r>
             <a:r>
               <a:rPr lang="en-US" altLang="ko-KR" sz="1600" spc="-150" dirty="0">
@@ -9198,7 +9172,7 @@
             <a:blip r:embed="rId3" cstate="print">
               <a:extLst>
                 <a:ext uri="{28A0092B-C50C-407E-A947-70E740481C1C}">
-                  <a14:useLocalDpi xmlns:a14="http://schemas.microsoft.com/office/drawing/2010/main" val="0"/>
+                  <a14:useLocalDpi xmlns:a14="http://schemas.microsoft.com/office/drawing/2010/main" xmlns="" val="0"/>
                 </a:ext>
               </a:extLst>
             </a:blip>
@@ -9218,7 +9192,7 @@
             <a:noFill/>
             <a:extLst>
               <a:ext uri="{909E8E84-426E-40DD-AFC4-6F175D3DCCD1}">
-                <a14:hiddenFill xmlns:a14="http://schemas.microsoft.com/office/drawing/2010/main">
+                <a14:hiddenFill xmlns:a14="http://schemas.microsoft.com/office/drawing/2010/main" xmlns="">
                   <a:solidFill>
                     <a:srgbClr val="FFFFFF"/>
                   </a:solidFill>
@@ -9777,7 +9751,7 @@
               <a:t>, </a:t>
             </a:r>
             <a:r>
-              <a:rPr lang="ko-KR" altLang="en-US" sz="1600" spc="-150" dirty="0" err="1">
+              <a:rPr lang="ko-KR" altLang="en-US" sz="1600" spc="-150" dirty="0" smtClean="0">
                 <a:ln w="0"/>
                 <a:effectLst>
                   <a:outerShdw blurRad="38100" dist="19050" dir="2700000" algn="tl" rotWithShape="0">
@@ -9787,7 +9761,7 @@
                   </a:outerShdw>
                 </a:effectLst>
               </a:rPr>
-              <a:t>참조가능한</a:t>
+              <a:t>참조 가능한 </a:t>
             </a:r>
             <a:r>
               <a:rPr lang="ko-KR" altLang="en-US" sz="1600" spc="-150" dirty="0">
@@ -9800,10 +9774,10 @@
                   </a:outerShdw>
                 </a:effectLst>
               </a:rPr>
-              <a:t> 방법을 </a:t>
-            </a:r>
-            <a:r>
-              <a:rPr lang="ko-KR" altLang="en-US" sz="1600" spc="-150" dirty="0" err="1">
+              <a:t>방법을 </a:t>
+            </a:r>
+            <a:r>
+              <a:rPr lang="ko-KR" altLang="en-US" sz="1600" spc="-150" dirty="0" smtClean="0">
                 <a:ln w="0"/>
                 <a:effectLst>
                   <a:outerShdw blurRad="38100" dist="19050" dir="2700000" algn="tl" rotWithShape="0">
@@ -9813,7 +9787,7 @@
                   </a:outerShdw>
                 </a:effectLst>
               </a:rPr>
-              <a:t>기입힌다</a:t>
+              <a:t>기입한다</a:t>
             </a:r>
             <a:r>
               <a:rPr lang="en-US" altLang="ko-KR" sz="1600" spc="-150" dirty="0">
@@ -9952,7 +9926,7 @@
     </p:spTree>
     <p:extLst>
       <p:ext uri="{BB962C8B-B14F-4D97-AF65-F5344CB8AC3E}">
-        <p14:creationId xmlns:p14="http://schemas.microsoft.com/office/powerpoint/2010/main" val="3440789053"/>
+        <p14:creationId xmlns:p14="http://schemas.microsoft.com/office/powerpoint/2010/main" xmlns="" val="3440789053"/>
       </p:ext>
     </p:extLst>
   </p:cSld>
@@ -10395,7 +10369,7 @@
             <a:blip r:embed="rId3" cstate="print">
               <a:extLst>
                 <a:ext uri="{28A0092B-C50C-407E-A947-70E740481C1C}">
-                  <a14:useLocalDpi xmlns:a14="http://schemas.microsoft.com/office/drawing/2010/main" val="0"/>
+                  <a14:useLocalDpi xmlns:a14="http://schemas.microsoft.com/office/drawing/2010/main" xmlns="" val="0"/>
                 </a:ext>
               </a:extLst>
             </a:blip>
@@ -10415,7 +10389,7 @@
             <a:noFill/>
             <a:extLst>
               <a:ext uri="{909E8E84-426E-40DD-AFC4-6F175D3DCCD1}">
-                <a14:hiddenFill xmlns:a14="http://schemas.microsoft.com/office/drawing/2010/main">
+                <a14:hiddenFill xmlns:a14="http://schemas.microsoft.com/office/drawing/2010/main" xmlns="">
                   <a:solidFill>
                     <a:srgbClr val="FFFFFF"/>
                   </a:solidFill>
@@ -10499,7 +10473,7 @@
     </p:spTree>
     <p:extLst>
       <p:ext uri="{BB962C8B-B14F-4D97-AF65-F5344CB8AC3E}">
-        <p14:creationId xmlns:p14="http://schemas.microsoft.com/office/powerpoint/2010/main" val="499178642"/>
+        <p14:creationId xmlns:p14="http://schemas.microsoft.com/office/powerpoint/2010/main" xmlns="" val="499178642"/>
       </p:ext>
     </p:extLst>
   </p:cSld>
@@ -10682,13 +10656,13 @@
               <a:t>연산을 루프에서 사용하면 왜 </a:t>
             </a:r>
             <a:r>
-              <a:rPr lang="ko-KR" altLang="en-US" sz="1600" b="1" spc="-150" dirty="0" err="1" smtClean="0">
+              <a:rPr lang="ko-KR" altLang="en-US" sz="1600" b="1" spc="-150" dirty="0" smtClean="0">
                 <a:solidFill>
                   <a:srgbClr val="000000"/>
                 </a:solidFill>
                 <a:latin typeface="맑은 고딕" pitchFamily="50" charset="-127"/>
               </a:rPr>
-              <a:t>안되는가</a:t>
+              <a:t>안 되는가</a:t>
             </a:r>
             <a:r>
               <a:rPr lang="en-US" altLang="ko-KR" sz="1600" b="1" spc="-150" dirty="0" smtClean="0">
@@ -11186,7 +11160,7 @@
           <a:blip r:embed="rId4" cstate="print">
             <a:extLst>
               <a:ext uri="{28A0092B-C50C-407E-A947-70E740481C1C}">
-                <a14:useLocalDpi xmlns:a14="http://schemas.microsoft.com/office/drawing/2010/main" val="0"/>
+                <a14:useLocalDpi xmlns:a14="http://schemas.microsoft.com/office/drawing/2010/main" xmlns="" val="0"/>
               </a:ext>
             </a:extLst>
           </a:blip>
@@ -11206,7 +11180,7 @@
           <a:noFill/>
           <a:extLst>
             <a:ext uri="{909E8E84-426E-40DD-AFC4-6F175D3DCCD1}">
-              <a14:hiddenFill xmlns:a14="http://schemas.microsoft.com/office/drawing/2010/main">
+              <a14:hiddenFill xmlns:a14="http://schemas.microsoft.com/office/drawing/2010/main" xmlns="">
                 <a:solidFill>
                   <a:srgbClr val="FFFFFF"/>
                 </a:solidFill>
@@ -11282,7 +11256,7 @@
     </p:spTree>
     <p:extLst>
       <p:ext uri="{BB962C8B-B14F-4D97-AF65-F5344CB8AC3E}">
-        <p14:creationId xmlns:p14="http://schemas.microsoft.com/office/powerpoint/2010/main" val="2930335208"/>
+        <p14:creationId xmlns:p14="http://schemas.microsoft.com/office/powerpoint/2010/main" xmlns="" val="2930335208"/>
       </p:ext>
     </p:extLst>
   </p:cSld>
@@ -11465,13 +11439,13 @@
               <a:t>연산을 루프에서 사용하면 왜 </a:t>
             </a:r>
             <a:r>
-              <a:rPr lang="ko-KR" altLang="en-US" sz="1600" b="1" spc="-150" dirty="0" err="1" smtClean="0">
+              <a:rPr lang="ko-KR" altLang="en-US" sz="1600" b="1" spc="-150" dirty="0" smtClean="0">
                 <a:solidFill>
                   <a:srgbClr val="000000"/>
                 </a:solidFill>
                 <a:latin typeface="맑은 고딕" pitchFamily="50" charset="-127"/>
               </a:rPr>
-              <a:t>안되는가</a:t>
+              <a:t>안 되는가</a:t>
             </a:r>
             <a:r>
               <a:rPr lang="en-US" altLang="ko-KR" sz="1600" b="1" spc="-150" dirty="0" smtClean="0">
@@ -11815,7 +11789,7 @@
     </p:spTree>
     <p:extLst>
       <p:ext uri="{BB962C8B-B14F-4D97-AF65-F5344CB8AC3E}">
-        <p14:creationId xmlns:p14="http://schemas.microsoft.com/office/powerpoint/2010/main" val="2971331031"/>
+        <p14:creationId xmlns:p14="http://schemas.microsoft.com/office/powerpoint/2010/main" xmlns="" val="2971331031"/>
       </p:ext>
     </p:extLst>
   </p:cSld>
@@ -12566,7 +12540,7 @@
     </p:spTree>
     <p:extLst>
       <p:ext uri="{BB962C8B-B14F-4D97-AF65-F5344CB8AC3E}">
-        <p14:creationId xmlns:p14="http://schemas.microsoft.com/office/powerpoint/2010/main" val="3918701994"/>
+        <p14:creationId xmlns:p14="http://schemas.microsoft.com/office/powerpoint/2010/main" xmlns="" val="3918701994"/>
       </p:ext>
     </p:extLst>
   </p:cSld>
@@ -13069,7 +13043,7 @@
     </p:spTree>
     <p:extLst>
       <p:ext uri="{BB962C8B-B14F-4D97-AF65-F5344CB8AC3E}">
-        <p14:creationId xmlns:p14="http://schemas.microsoft.com/office/powerpoint/2010/main" val="243743546"/>
+        <p14:creationId xmlns:p14="http://schemas.microsoft.com/office/powerpoint/2010/main" xmlns="" val="243743546"/>
       </p:ext>
     </p:extLst>
   </p:cSld>
@@ -13925,7 +13899,7 @@
     </p:spTree>
     <p:extLst>
       <p:ext uri="{BB962C8B-B14F-4D97-AF65-F5344CB8AC3E}">
-        <p14:creationId xmlns:p14="http://schemas.microsoft.com/office/powerpoint/2010/main" val="4063317828"/>
+        <p14:creationId xmlns:p14="http://schemas.microsoft.com/office/powerpoint/2010/main" xmlns="" val="4063317828"/>
       </p:ext>
     </p:extLst>
   </p:cSld>
@@ -14557,7 +14531,7 @@
     </p:spTree>
     <p:extLst>
       <p:ext uri="{BB962C8B-B14F-4D97-AF65-F5344CB8AC3E}">
-        <p14:creationId xmlns:p14="http://schemas.microsoft.com/office/powerpoint/2010/main" val="2366594604"/>
+        <p14:creationId xmlns:p14="http://schemas.microsoft.com/office/powerpoint/2010/main" xmlns="" val="2366594604"/>
       </p:ext>
     </p:extLst>
   </p:cSld>
@@ -14673,7 +14647,7 @@
     </p:spTree>
     <p:extLst>
       <p:ext uri="{BB962C8B-B14F-4D97-AF65-F5344CB8AC3E}">
-        <p14:creationId xmlns:p14="http://schemas.microsoft.com/office/powerpoint/2010/main" val="2617554990"/>
+        <p14:creationId xmlns:p14="http://schemas.microsoft.com/office/powerpoint/2010/main" xmlns="" val="2617554990"/>
       </p:ext>
     </p:extLst>
   </p:cSld>
@@ -15361,7 +15335,7 @@
               <a:t>루프를 </a:t>
             </a:r>
             <a:r>
-              <a:rPr lang="ko-KR" altLang="en-US" sz="1600" spc="-150" dirty="0" err="1">
+              <a:rPr lang="ko-KR" altLang="en-US" sz="1600" spc="-150" dirty="0" smtClean="0">
                 <a:ln w="0"/>
                 <a:effectLst>
                   <a:outerShdw blurRad="38100" dist="19050" dir="2700000" algn="tl" rotWithShape="0">
@@ -15371,7 +15345,7 @@
                   </a:outerShdw>
                 </a:effectLst>
               </a:rPr>
-              <a:t>빠져나왔을</a:t>
+              <a:t>빠져 나왔을 </a:t>
             </a:r>
             <a:r>
               <a:rPr lang="ko-KR" altLang="en-US" sz="1600" spc="-150" dirty="0">
@@ -15384,7 +15358,7 @@
                   </a:outerShdw>
                 </a:effectLst>
               </a:rPr>
-              <a:t> 경우</a:t>
+              <a:t>경우</a:t>
             </a:r>
             <a:r>
               <a:rPr lang="en-US" altLang="ko-KR" sz="1600" spc="-150" dirty="0">
@@ -15457,7 +15431,7 @@
     </p:spTree>
     <p:extLst>
       <p:ext uri="{BB962C8B-B14F-4D97-AF65-F5344CB8AC3E}">
-        <p14:creationId xmlns:p14="http://schemas.microsoft.com/office/powerpoint/2010/main" val="1512538898"/>
+        <p14:creationId xmlns:p14="http://schemas.microsoft.com/office/powerpoint/2010/main" xmlns="" val="1512538898"/>
       </p:ext>
     </p:extLst>
   </p:cSld>
@@ -16042,7 +16016,7 @@
           <a:blip r:embed="rId3">
             <a:extLst>
               <a:ext uri="{28A0092B-C50C-407E-A947-70E740481C1C}">
-                <a14:useLocalDpi xmlns:a14="http://schemas.microsoft.com/office/drawing/2010/main" val="0"/>
+                <a14:useLocalDpi xmlns:a14="http://schemas.microsoft.com/office/drawing/2010/main" xmlns="" val="0"/>
               </a:ext>
             </a:extLst>
           </a:blip>
@@ -16062,7 +16036,7 @@
           <a:noFill/>
           <a:extLst>
             <a:ext uri="{909E8E84-426E-40DD-AFC4-6F175D3DCCD1}">
-              <a14:hiddenFill xmlns:a14="http://schemas.microsoft.com/office/drawing/2010/main">
+              <a14:hiddenFill xmlns:a14="http://schemas.microsoft.com/office/drawing/2010/main" xmlns="">
                 <a:solidFill>
                   <a:srgbClr val="FFFFFF"/>
                 </a:solidFill>
@@ -16083,7 +16057,7 @@
           <a:blip r:embed="rId4">
             <a:extLst>
               <a:ext uri="{28A0092B-C50C-407E-A947-70E740481C1C}">
-                <a14:useLocalDpi xmlns:a14="http://schemas.microsoft.com/office/drawing/2010/main" val="0"/>
+                <a14:useLocalDpi xmlns:a14="http://schemas.microsoft.com/office/drawing/2010/main" xmlns="" val="0"/>
               </a:ext>
             </a:extLst>
           </a:blip>
@@ -16103,7 +16077,7 @@
           <a:noFill/>
           <a:extLst>
             <a:ext uri="{909E8E84-426E-40DD-AFC4-6F175D3DCCD1}">
-              <a14:hiddenFill xmlns:a14="http://schemas.microsoft.com/office/drawing/2010/main">
+              <a14:hiddenFill xmlns:a14="http://schemas.microsoft.com/office/drawing/2010/main" xmlns="">
                 <a:solidFill>
                   <a:srgbClr val="FFFFFF"/>
                 </a:solidFill>
@@ -16215,7 +16189,7 @@
     </p:spTree>
     <p:extLst>
       <p:ext uri="{BB962C8B-B14F-4D97-AF65-F5344CB8AC3E}">
-        <p14:creationId xmlns:p14="http://schemas.microsoft.com/office/powerpoint/2010/main" val="3202256622"/>
+        <p14:creationId xmlns:p14="http://schemas.microsoft.com/office/powerpoint/2010/main" xmlns="" val="3202256622"/>
       </p:ext>
     </p:extLst>
   </p:cSld>
@@ -21807,7 +21781,7 @@
     </p:spTree>
     <p:extLst>
       <p:ext uri="{BB962C8B-B14F-4D97-AF65-F5344CB8AC3E}">
-        <p14:creationId xmlns:p14="http://schemas.microsoft.com/office/powerpoint/2010/main" val="2700905204"/>
+        <p14:creationId xmlns:p14="http://schemas.microsoft.com/office/powerpoint/2010/main" xmlns="" val="2700905204"/>
       </p:ext>
     </p:extLst>
   </p:cSld>
@@ -22210,7 +22184,7 @@
           <a:blip r:embed="rId3">
             <a:extLst>
               <a:ext uri="{28A0092B-C50C-407E-A947-70E740481C1C}">
-                <a14:useLocalDpi xmlns:a14="http://schemas.microsoft.com/office/drawing/2010/main" val="0"/>
+                <a14:useLocalDpi xmlns:a14="http://schemas.microsoft.com/office/drawing/2010/main" xmlns="" val="0"/>
               </a:ext>
             </a:extLst>
           </a:blip>
@@ -22230,7 +22204,7 @@
           <a:noFill/>
           <a:extLst>
             <a:ext uri="{909E8E84-426E-40DD-AFC4-6F175D3DCCD1}">
-              <a14:hiddenFill xmlns:a14="http://schemas.microsoft.com/office/drawing/2010/main">
+              <a14:hiddenFill xmlns:a14="http://schemas.microsoft.com/office/drawing/2010/main" xmlns="">
                 <a:solidFill>
                   <a:srgbClr val="FFFFFF"/>
                 </a:solidFill>
@@ -22242,7 +22216,7 @@
     </p:spTree>
     <p:extLst>
       <p:ext uri="{BB962C8B-B14F-4D97-AF65-F5344CB8AC3E}">
-        <p14:creationId xmlns:p14="http://schemas.microsoft.com/office/powerpoint/2010/main" val="810886213"/>
+        <p14:creationId xmlns:p14="http://schemas.microsoft.com/office/powerpoint/2010/main" xmlns="" val="810886213"/>
       </p:ext>
     </p:extLst>
   </p:cSld>
@@ -22358,7 +22332,7 @@
     </p:spTree>
     <p:extLst>
       <p:ext uri="{BB962C8B-B14F-4D97-AF65-F5344CB8AC3E}">
-        <p14:creationId xmlns:p14="http://schemas.microsoft.com/office/powerpoint/2010/main" val="1332422539"/>
+        <p14:creationId xmlns:p14="http://schemas.microsoft.com/office/powerpoint/2010/main" xmlns="" val="1332422539"/>
       </p:ext>
     </p:extLst>
   </p:cSld>
@@ -22769,13 +22743,13 @@
               <a:t>  </a:t>
             </a:r>
             <a:r>
-              <a:rPr lang="ko-KR" altLang="en-US" sz="1600" b="1" spc="-150" dirty="0" err="1" smtClean="0">
+              <a:rPr lang="ko-KR" altLang="en-US" sz="1600" b="1" spc="-150" dirty="0" smtClean="0">
                 <a:solidFill>
                   <a:srgbClr val="000000"/>
                 </a:solidFill>
                 <a:latin typeface="맑은 고딕" pitchFamily="50" charset="-127"/>
               </a:rPr>
-              <a:t>코드짜던</a:t>
+              <a:t>코드 짜던 </a:t>
             </a:r>
             <a:r>
               <a:rPr lang="ko-KR" altLang="en-US" sz="1600" b="1" spc="-150" dirty="0" smtClean="0">
@@ -22784,7 +22758,7 @@
                 </a:solidFill>
                 <a:latin typeface="맑은 고딕" pitchFamily="50" charset="-127"/>
               </a:rPr>
-              <a:t> 노인</a:t>
+              <a:t>노인</a:t>
             </a:r>
             <a:endParaRPr lang="ko-KR" altLang="en-US" sz="1600" b="1" spc="-150" dirty="0">
               <a:solidFill>
@@ -22815,7 +22789,7 @@
           <a:noFill/>
           <a:extLst>
             <a:ext uri="{909E8E84-426E-40DD-AFC4-6F175D3DCCD1}">
-              <a14:hiddenFill xmlns:a14="http://schemas.microsoft.com/office/drawing/2010/main">
+              <a14:hiddenFill xmlns:a14="http://schemas.microsoft.com/office/drawing/2010/main" xmlns="">
                 <a:solidFill>
                   <a:srgbClr val="FFFFFF"/>
                 </a:solidFill>
@@ -22871,7 +22845,7 @@
           <a:blip r:embed="rId5">
             <a:extLst>
               <a:ext uri="{28A0092B-C50C-407E-A947-70E740481C1C}">
-                <a14:useLocalDpi xmlns:a14="http://schemas.microsoft.com/office/drawing/2010/main" val="0"/>
+                <a14:useLocalDpi xmlns:a14="http://schemas.microsoft.com/office/drawing/2010/main" xmlns="" val="0"/>
               </a:ext>
             </a:extLst>
           </a:blip>
@@ -22891,7 +22865,7 @@
           <a:noFill/>
           <a:extLst>
             <a:ext uri="{909E8E84-426E-40DD-AFC4-6F175D3DCCD1}">
-              <a14:hiddenFill xmlns:a14="http://schemas.microsoft.com/office/drawing/2010/main">
+              <a14:hiddenFill xmlns:a14="http://schemas.microsoft.com/office/drawing/2010/main" xmlns="">
                 <a:solidFill>
                   <a:srgbClr val="FFFFFF"/>
                 </a:solidFill>
@@ -23036,7 +23010,7 @@
     </p:spTree>
     <p:extLst>
       <p:ext uri="{BB962C8B-B14F-4D97-AF65-F5344CB8AC3E}">
-        <p14:creationId xmlns:p14="http://schemas.microsoft.com/office/powerpoint/2010/main" val="1355452246"/>
+        <p14:creationId xmlns:p14="http://schemas.microsoft.com/office/powerpoint/2010/main" xmlns="" val="1355452246"/>
       </p:ext>
     </p:extLst>
   </p:cSld>
@@ -23634,7 +23608,7 @@
     </p:spTree>
     <p:extLst>
       <p:ext uri="{BB962C8B-B14F-4D97-AF65-F5344CB8AC3E}">
-        <p14:creationId xmlns:p14="http://schemas.microsoft.com/office/powerpoint/2010/main" val="1219844086"/>
+        <p14:creationId xmlns:p14="http://schemas.microsoft.com/office/powerpoint/2010/main" xmlns="" val="1219844086"/>
       </p:ext>
     </p:extLst>
   </p:cSld>
@@ -24037,7 +24011,7 @@
           <p:nvPr>
             <p:extLst>
               <p:ext uri="{D42A27DB-BD31-4B8C-83A1-F6EECF244321}">
-                <p14:modId xmlns:p14="http://schemas.microsoft.com/office/powerpoint/2010/main" val="1458954645"/>
+                <p14:modId xmlns:p14="http://schemas.microsoft.com/office/powerpoint/2010/main" xmlns="" val="1458954645"/>
               </p:ext>
             </p:extLst>
           </p:nvPr>
@@ -24491,7 +24465,7 @@
     </p:spTree>
     <p:extLst>
       <p:ext uri="{BB962C8B-B14F-4D97-AF65-F5344CB8AC3E}">
-        <p14:creationId xmlns:p14="http://schemas.microsoft.com/office/powerpoint/2010/main" val="2186765399"/>
+        <p14:creationId xmlns:p14="http://schemas.microsoft.com/office/powerpoint/2010/main" xmlns="" val="2186765399"/>
       </p:ext>
     </p:extLst>
   </p:cSld>
@@ -24534,7 +24508,7 @@
           <p:nvPr/>
         </p:nvPicPr>
         <p:blipFill rotWithShape="1">
-          <a:blip r:embed="rId3"/>
+          <a:blip r:embed="rId3" cstate="print"/>
           <a:srcRect r="36550" b="46692"/>
           <a:stretch/>
         </p:blipFill>
@@ -25892,7 +25866,7 @@
     </p:spTree>
     <p:extLst>
       <p:ext uri="{BB962C8B-B14F-4D97-AF65-F5344CB8AC3E}">
-        <p14:creationId xmlns:p14="http://schemas.microsoft.com/office/powerpoint/2010/main" val="966585801"/>
+        <p14:creationId xmlns:p14="http://schemas.microsoft.com/office/powerpoint/2010/main" xmlns="" val="966585801"/>
       </p:ext>
     </p:extLst>
   </p:cSld>
@@ -26620,7 +26594,7 @@
           <p:nvPr>
             <p:extLst>
               <p:ext uri="{D42A27DB-BD31-4B8C-83A1-F6EECF244321}">
-                <p14:modId xmlns:p14="http://schemas.microsoft.com/office/powerpoint/2010/main" val="3946104021"/>
+                <p14:modId xmlns:p14="http://schemas.microsoft.com/office/powerpoint/2010/main" xmlns="" val="3946104021"/>
               </p:ext>
             </p:extLst>
           </p:nvPr>
@@ -27072,7 +27046,7 @@
     </p:spTree>
     <p:extLst>
       <p:ext uri="{BB962C8B-B14F-4D97-AF65-F5344CB8AC3E}">
-        <p14:creationId xmlns:p14="http://schemas.microsoft.com/office/powerpoint/2010/main" val="1778933723"/>
+        <p14:creationId xmlns:p14="http://schemas.microsoft.com/office/powerpoint/2010/main" xmlns="" val="1778933723"/>
       </p:ext>
     </p:extLst>
   </p:cSld>
@@ -27752,7 +27726,7 @@
     </p:spTree>
     <p:extLst>
       <p:ext uri="{BB962C8B-B14F-4D97-AF65-F5344CB8AC3E}">
-        <p14:creationId xmlns:p14="http://schemas.microsoft.com/office/powerpoint/2010/main" val="1315216795"/>
+        <p14:creationId xmlns:p14="http://schemas.microsoft.com/office/powerpoint/2010/main" xmlns="" val="1315216795"/>
       </p:ext>
     </p:extLst>
   </p:cSld>
@@ -28099,7 +28073,7 @@
             <a:blip r:embed="rId3" cstate="print">
               <a:extLst>
                 <a:ext uri="{28A0092B-C50C-407E-A947-70E740481C1C}">
-                  <a14:useLocalDpi xmlns:a14="http://schemas.microsoft.com/office/drawing/2010/main" val="0"/>
+                  <a14:useLocalDpi xmlns:a14="http://schemas.microsoft.com/office/drawing/2010/main" xmlns="" val="0"/>
                 </a:ext>
               </a:extLst>
             </a:blip>
@@ -28119,7 +28093,7 @@
             <a:noFill/>
             <a:extLst>
               <a:ext uri="{909E8E84-426E-40DD-AFC4-6F175D3DCCD1}">
-                <a14:hiddenFill xmlns:a14="http://schemas.microsoft.com/office/drawing/2010/main">
+                <a14:hiddenFill xmlns:a14="http://schemas.microsoft.com/office/drawing/2010/main" xmlns="">
                   <a:solidFill>
                     <a:srgbClr val="FFFFFF"/>
                   </a:solidFill>
@@ -28869,7 +28843,7 @@
     </p:spTree>
     <p:extLst>
       <p:ext uri="{BB962C8B-B14F-4D97-AF65-F5344CB8AC3E}">
-        <p14:creationId xmlns:p14="http://schemas.microsoft.com/office/powerpoint/2010/main" val="653375274"/>
+        <p14:creationId xmlns:p14="http://schemas.microsoft.com/office/powerpoint/2010/main" xmlns="" val="653375274"/>
       </p:ext>
     </p:extLst>
   </p:cSld>
@@ -30420,7 +30394,7 @@
     </p:spTree>
     <p:extLst>
       <p:ext uri="{BB962C8B-B14F-4D97-AF65-F5344CB8AC3E}">
-        <p14:creationId xmlns:p14="http://schemas.microsoft.com/office/powerpoint/2010/main" val="1143144694"/>
+        <p14:creationId xmlns:p14="http://schemas.microsoft.com/office/powerpoint/2010/main" xmlns="" val="1143144694"/>
       </p:ext>
     </p:extLst>
   </p:cSld>
@@ -31183,7 +31157,7 @@
     </p:spTree>
     <p:extLst>
       <p:ext uri="{BB962C8B-B14F-4D97-AF65-F5344CB8AC3E}">
-        <p14:creationId xmlns:p14="http://schemas.microsoft.com/office/powerpoint/2010/main" val="4212901634"/>
+        <p14:creationId xmlns:p14="http://schemas.microsoft.com/office/powerpoint/2010/main" xmlns="" val="4212901634"/>
       </p:ext>
     </p:extLst>
   </p:cSld>
@@ -32444,7 +32418,7 @@
     </p:spTree>
     <p:extLst>
       <p:ext uri="{BB962C8B-B14F-4D97-AF65-F5344CB8AC3E}">
-        <p14:creationId xmlns:p14="http://schemas.microsoft.com/office/powerpoint/2010/main" val="1546084604"/>
+        <p14:creationId xmlns:p14="http://schemas.microsoft.com/office/powerpoint/2010/main" xmlns="" val="1546084604"/>
       </p:ext>
     </p:extLst>
   </p:cSld>
@@ -34093,12 +34067,8 @@
                     <a:p>
                       <a:pPr latinLnBrk="1"/>
                       <a:r>
-                        <a:rPr lang="ko-KR" altLang="en-US" sz="1100" baseline="0" dirty="0" err="1" smtClean="0"/>
-                        <a:t>코드라인별</a:t>
-                      </a:r>
-                      <a:r>
                         <a:rPr lang="ko-KR" altLang="en-US" sz="1100" baseline="0" dirty="0" smtClean="0"/>
-                        <a:t> </a:t>
+                        <a:t>코드라인 별 </a:t>
                       </a:r>
                       <a:r>
                         <a:rPr lang="en-US" altLang="ko-KR" sz="1100" baseline="0" dirty="0" smtClean="0"/>
@@ -34389,7 +34359,7 @@
             <a:blip r:embed="rId5">
               <a:extLst>
                 <a:ext uri="{28A0092B-C50C-407E-A947-70E740481C1C}">
-                  <a14:useLocalDpi xmlns:a14="http://schemas.microsoft.com/office/drawing/2010/main" val="0"/>
+                  <a14:useLocalDpi xmlns:a14="http://schemas.microsoft.com/office/drawing/2010/main" xmlns="" val="0"/>
                 </a:ext>
               </a:extLst>
             </a:blip>
@@ -34409,7 +34379,7 @@
             <a:noFill/>
             <a:extLst>
               <a:ext uri="{909E8E84-426E-40DD-AFC4-6F175D3DCCD1}">
-                <a14:hiddenFill xmlns:a14="http://schemas.microsoft.com/office/drawing/2010/main">
+                <a14:hiddenFill xmlns:a14="http://schemas.microsoft.com/office/drawing/2010/main" xmlns="">
                   <a:solidFill>
                     <a:srgbClr val="FFFFFF"/>
                   </a:solidFill>
@@ -34477,7 +34447,7 @@
     </p:spTree>
     <p:extLst>
       <p:ext uri="{BB962C8B-B14F-4D97-AF65-F5344CB8AC3E}">
-        <p14:creationId xmlns:p14="http://schemas.microsoft.com/office/powerpoint/2010/main" val="2057761015"/>
+        <p14:creationId xmlns:p14="http://schemas.microsoft.com/office/powerpoint/2010/main" xmlns="" val="2057761015"/>
       </p:ext>
     </p:extLst>
   </p:cSld>
@@ -34593,7 +34563,7 @@
     </p:spTree>
     <p:extLst>
       <p:ext uri="{BB962C8B-B14F-4D97-AF65-F5344CB8AC3E}">
-        <p14:creationId xmlns:p14="http://schemas.microsoft.com/office/powerpoint/2010/main" val="1015462942"/>
+        <p14:creationId xmlns:p14="http://schemas.microsoft.com/office/powerpoint/2010/main" xmlns="" val="1015462942"/>
       </p:ext>
     </p:extLst>
   </p:cSld>
@@ -35013,7 +34983,7 @@
           <a:blip r:embed="rId3">
             <a:extLst>
               <a:ext uri="{28A0092B-C50C-407E-A947-70E740481C1C}">
-                <a14:useLocalDpi xmlns:a14="http://schemas.microsoft.com/office/drawing/2010/main" val="0"/>
+                <a14:useLocalDpi xmlns:a14="http://schemas.microsoft.com/office/drawing/2010/main" xmlns="" val="0"/>
               </a:ext>
             </a:extLst>
           </a:blip>
@@ -35033,7 +35003,7 @@
           <a:noFill/>
           <a:extLst>
             <a:ext uri="{909E8E84-426E-40DD-AFC4-6F175D3DCCD1}">
-              <a14:hiddenFill xmlns:a14="http://schemas.microsoft.com/office/drawing/2010/main">
+              <a14:hiddenFill xmlns:a14="http://schemas.microsoft.com/office/drawing/2010/main" xmlns="">
                 <a:solidFill>
                   <a:srgbClr val="FFFFFF"/>
                 </a:solidFill>
@@ -35444,7 +35414,7 @@
     </p:spTree>
     <p:extLst>
       <p:ext uri="{BB962C8B-B14F-4D97-AF65-F5344CB8AC3E}">
-        <p14:creationId xmlns:p14="http://schemas.microsoft.com/office/powerpoint/2010/main" val="1180143924"/>
+        <p14:creationId xmlns:p14="http://schemas.microsoft.com/office/powerpoint/2010/main" xmlns="" val="1180143924"/>
       </p:ext>
     </p:extLst>
   </p:cSld>
@@ -35928,7 +35898,7 @@
           <a:blip r:embed="rId3">
             <a:extLst>
               <a:ext uri="{28A0092B-C50C-407E-A947-70E740481C1C}">
-                <a14:useLocalDpi xmlns:a14="http://schemas.microsoft.com/office/drawing/2010/main" val="0"/>
+                <a14:useLocalDpi xmlns:a14="http://schemas.microsoft.com/office/drawing/2010/main" xmlns="" val="0"/>
               </a:ext>
             </a:extLst>
           </a:blip>
@@ -35948,7 +35918,7 @@
           <a:noFill/>
           <a:extLst>
             <a:ext uri="{909E8E84-426E-40DD-AFC4-6F175D3DCCD1}">
-              <a14:hiddenFill xmlns:a14="http://schemas.microsoft.com/office/drawing/2010/main">
+              <a14:hiddenFill xmlns:a14="http://schemas.microsoft.com/office/drawing/2010/main" xmlns="">
                 <a:solidFill>
                   <a:srgbClr val="FFFFFF"/>
                 </a:solidFill>
@@ -35960,7 +35930,7 @@
     </p:spTree>
     <p:extLst>
       <p:ext uri="{BB962C8B-B14F-4D97-AF65-F5344CB8AC3E}">
-        <p14:creationId xmlns:p14="http://schemas.microsoft.com/office/powerpoint/2010/main" val="3196906510"/>
+        <p14:creationId xmlns:p14="http://schemas.microsoft.com/office/powerpoint/2010/main" xmlns="" val="3196906510"/>
       </p:ext>
     </p:extLst>
   </p:cSld>
@@ -36076,7 +36046,7 @@
     </p:spTree>
     <p:extLst>
       <p:ext uri="{BB962C8B-B14F-4D97-AF65-F5344CB8AC3E}">
-        <p14:creationId xmlns:p14="http://schemas.microsoft.com/office/powerpoint/2010/main" val="3444039648"/>
+        <p14:creationId xmlns:p14="http://schemas.microsoft.com/office/powerpoint/2010/main" xmlns="" val="3444039648"/>
       </p:ext>
     </p:extLst>
   </p:cSld>
@@ -36856,7 +36826,7 @@
     </p:spTree>
     <p:extLst>
       <p:ext uri="{BB962C8B-B14F-4D97-AF65-F5344CB8AC3E}">
-        <p14:creationId xmlns:p14="http://schemas.microsoft.com/office/powerpoint/2010/main" val="77417521"/>
+        <p14:creationId xmlns:p14="http://schemas.microsoft.com/office/powerpoint/2010/main" xmlns="" val="77417521"/>
       </p:ext>
     </p:extLst>
   </p:cSld>
@@ -37415,7 +37385,7 @@
     </p:spTree>
     <p:extLst>
       <p:ext uri="{BB962C8B-B14F-4D97-AF65-F5344CB8AC3E}">
-        <p14:creationId xmlns:p14="http://schemas.microsoft.com/office/powerpoint/2010/main" val="1423571477"/>
+        <p14:creationId xmlns:p14="http://schemas.microsoft.com/office/powerpoint/2010/main" xmlns="" val="1423571477"/>
       </p:ext>
     </p:extLst>
   </p:cSld>
@@ -38032,7 +38002,7 @@
     </p:spTree>
     <p:extLst>
       <p:ext uri="{BB962C8B-B14F-4D97-AF65-F5344CB8AC3E}">
-        <p14:creationId xmlns:p14="http://schemas.microsoft.com/office/powerpoint/2010/main" val="1737282608"/>
+        <p14:creationId xmlns:p14="http://schemas.microsoft.com/office/powerpoint/2010/main" xmlns="" val="1737282608"/>
       </p:ext>
     </p:extLst>
   </p:cSld>
@@ -38712,7 +38682,7 @@
     </p:spTree>
     <p:extLst>
       <p:ext uri="{BB962C8B-B14F-4D97-AF65-F5344CB8AC3E}">
-        <p14:creationId xmlns:p14="http://schemas.microsoft.com/office/powerpoint/2010/main" val="1447256486"/>
+        <p14:creationId xmlns:p14="http://schemas.microsoft.com/office/powerpoint/2010/main" xmlns="" val="1447256486"/>
       </p:ext>
     </p:extLst>
   </p:cSld>
@@ -39041,7 +39011,7 @@
         </p:nvSpPr>
         <p:spPr>
           <a:xfrm>
-            <a:off x="282291" y="889930"/>
+            <a:off x="282291" y="902630"/>
             <a:ext cx="8406001" cy="431247"/>
           </a:xfrm>
           <a:prstGeom prst="rect">
@@ -39122,13 +39092,13 @@
               <a:t>설정한 사이트로 이동하여 내용이 </a:t>
             </a:r>
             <a:r>
-              <a:rPr lang="ko-KR" altLang="en-US" sz="1600" b="1" spc="-150" dirty="0" err="1" smtClean="0">
+              <a:rPr lang="ko-KR" altLang="en-US" sz="1600" b="1" spc="-150" dirty="0" smtClean="0">
                 <a:solidFill>
                   <a:srgbClr val="000000"/>
                 </a:solidFill>
                 <a:latin typeface="맑은 고딕" pitchFamily="50" charset="-127"/>
               </a:rPr>
-              <a:t>잘표시되는지</a:t>
+              <a:t>잘 표시되는지 </a:t>
             </a:r>
             <a:r>
               <a:rPr lang="ko-KR" altLang="en-US" sz="1600" b="1" spc="-150" dirty="0" smtClean="0">
@@ -39137,7 +39107,7 @@
                 </a:solidFill>
                 <a:latin typeface="맑은 고딕" pitchFamily="50" charset="-127"/>
               </a:rPr>
-              <a:t> 확인 </a:t>
+              <a:t>확인 </a:t>
             </a:r>
             <a:endParaRPr lang="ko-KR" altLang="en-US" sz="1600" b="1" spc="-150" dirty="0">
               <a:solidFill>
@@ -39175,7 +39145,7 @@
     </p:spTree>
     <p:extLst>
       <p:ext uri="{BB962C8B-B14F-4D97-AF65-F5344CB8AC3E}">
-        <p14:creationId xmlns:p14="http://schemas.microsoft.com/office/powerpoint/2010/main" val="2544914659"/>
+        <p14:creationId xmlns:p14="http://schemas.microsoft.com/office/powerpoint/2010/main" xmlns="" val="2544914659"/>
       </p:ext>
     </p:extLst>
   </p:cSld>
@@ -40070,7 +40040,7 @@
     </p:spTree>
     <p:extLst>
       <p:ext uri="{BB962C8B-B14F-4D97-AF65-F5344CB8AC3E}">
-        <p14:creationId xmlns:p14="http://schemas.microsoft.com/office/powerpoint/2010/main" val="3346140790"/>
+        <p14:creationId xmlns:p14="http://schemas.microsoft.com/office/powerpoint/2010/main" xmlns="" val="3346140790"/>
       </p:ext>
     </p:extLst>
   </p:cSld>
